--- a/Lectures/11 Announcements.pptx
+++ b/Lectures/11 Announcements.pptx
@@ -7236,7 +7236,7 @@
           <a:effectLst/>
           <a:extLst>
             <a:ext uri="{91240B29-F687-4f45-9708-019B960494DF}">
-              <a14:hiddenLine xmlns:a14="http://schemas.microsoft.com/office/drawing/2010/main" xmlns="" w="9525">
+              <a14:hiddenLine xmlns="" xmlns:a14="http://schemas.microsoft.com/office/drawing/2010/main" w="9525">
                 <a:solidFill>
                   <a:srgbClr val="000000"/>
                 </a:solidFill>
@@ -7246,7 +7246,7 @@
               </a14:hiddenLine>
             </a:ext>
             <a:ext uri="{AF507438-7753-43e0-B8FC-AC1667EBCBE1}">
-              <a14:hiddenEffects xmlns:a14="http://schemas.microsoft.com/office/drawing/2010/main" xmlns="">
+              <a14:hiddenEffects xmlns="" xmlns:a14="http://schemas.microsoft.com/office/drawing/2010/main">
                 <a:effectLst>
                   <a:outerShdw blurRad="40000" dist="23000" dir="5400000" rotWithShape="0">
                     <a:srgbClr val="000000">
@@ -7955,7 +7955,7 @@
           <a:effectLst/>
           <a:extLst>
             <a:ext uri="{91240B29-F687-4f45-9708-019B960494DF}">
-              <a14:hiddenLine xmlns:a14="http://schemas.microsoft.com/office/drawing/2010/main" xmlns="" w="9525">
+              <a14:hiddenLine xmlns="" xmlns:a14="http://schemas.microsoft.com/office/drawing/2010/main" w="9525">
                 <a:solidFill>
                   <a:srgbClr val="000000"/>
                 </a:solidFill>
@@ -7965,7 +7965,7 @@
               </a14:hiddenLine>
             </a:ext>
             <a:ext uri="{AF507438-7753-43e0-B8FC-AC1667EBCBE1}">
-              <a14:hiddenEffects xmlns:a14="http://schemas.microsoft.com/office/drawing/2010/main" xmlns="">
+              <a14:hiddenEffects xmlns="" xmlns:a14="http://schemas.microsoft.com/office/drawing/2010/main">
                 <a:effectLst>
                   <a:outerShdw blurRad="40000" dist="23000" dir="5400000" rotWithShape="0">
                     <a:srgbClr val="000000">
@@ -8436,7 +8436,12 @@
             <p:ph idx="1"/>
           </p:nvPr>
         </p:nvSpPr>
-        <p:spPr/>
+        <p:spPr>
+          <a:xfrm>
+            <a:off x="1128943" y="1510271"/>
+            <a:ext cx="7048804" cy="4379976"/>
+          </a:xfrm>
+        </p:spPr>
         <p:txBody>
           <a:bodyPr/>
           <a:lstStyle/>
@@ -8566,8 +8571,27 @@
             </a:pPr>
             <a:r>
               <a:rPr lang="en-US" sz="2800" dirty="0" smtClean="0"/>
-              <a:t>Please respond to piazza post </a:t>
-            </a:r>
+              <a:t>Please respond to piazza </a:t>
+            </a:r>
+            <a:r>
+              <a:rPr lang="en-US" sz="2800" dirty="0" smtClean="0"/>
+              <a:t>post</a:t>
+            </a:r>
+          </a:p>
+          <a:p>
+            <a:pPr marL="0" indent="0" defTabSz="914400">
+              <a:spcAft>
+                <a:spcPts val="0"/>
+              </a:spcAft>
+              <a:buClrTx/>
+              <a:buFontTx/>
+              <a:buNone/>
+            </a:pPr>
+            <a:r>
+              <a:rPr lang="en-US" sz="3400" dirty="0" smtClean="0"/>
+              <a:t>Have updated the second half of class schedule significantly </a:t>
+            </a:r>
+            <a:endParaRPr lang="en-US" sz="3400" dirty="0" smtClean="0"/>
           </a:p>
           <a:p>
             <a:pPr marL="0" marR="0" lvl="0" indent="0" defTabSz="914400" eaLnBrk="1" fontAlgn="auto" latinLnBrk="0" hangingPunct="1">
